--- a/other/presentations/Git , GitHub Tutorial.pptx
+++ b/other/presentations/Git , GitHub Tutorial.pptx
@@ -15,6 +15,7 @@
     <p:sldId id="261" r:id="rId9"/>
     <p:sldId id="265" r:id="rId10"/>
     <p:sldId id="266" r:id="rId11"/>
+    <p:sldId id="267" r:id="rId12"/>
   </p:sldIdLst>
   <p:sldSz cx="12192000" cy="6858000"/>
   <p:notesSz cx="6858000" cy="9144000"/>
@@ -113,6 +114,11 @@
       </a:defRPr>
     </a:lvl9pPr>
   </p:defaultTextStyle>
+  <p:extLst>
+    <p:ext uri="{EFAFB233-063F-42B5-8137-9DF3F51BA10A}">
+      <p15:sldGuideLst xmlns:p15="http://schemas.microsoft.com/office/powerpoint/2012/main"/>
+    </p:ext>
+  </p:extLst>
 </p:presentation>
 </file>
 
@@ -211,7 +217,7 @@
           <a:effectLst/>
           <a:extLst>
             <a:ext uri="{91240B29-F687-4f45-9708-019B960494DF}">
-              <a14:hiddenLine xmlns:a14="http://schemas.microsoft.com/office/drawing/2010/main" xmlns="" w="9525">
+              <a14:hiddenLine xmlns="" xmlns:a14="http://schemas.microsoft.com/office/drawing/2010/main" w="9525">
                 <a:solidFill>
                   <a:srgbClr val="000000"/>
                 </a:solidFill>
@@ -262,7 +268,7 @@
           </a:lstStyle>
           <a:p>
             <a:r>
-              <a:rPr lang="en-US" smtClean="0"/>
+              <a:rPr lang="en-US"/>
               <a:t>Click to edit Master title style</a:t>
             </a:r>
             <a:endParaRPr lang="en-US" dirty="0"/>
@@ -379,7 +385,7 @@
           </a:lstStyle>
           <a:p>
             <a:r>
-              <a:rPr lang="en-US" smtClean="0"/>
+              <a:rPr lang="en-US"/>
               <a:t>Click to edit Master subtitle style</a:t>
             </a:r>
             <a:endParaRPr lang="en-US" dirty="0"/>
@@ -505,7 +511,7 @@
           </a:lstStyle>
           <a:p>
             <a:r>
-              <a:rPr lang="en-US" smtClean="0"/>
+              <a:rPr lang="en-US"/>
               <a:t>Click to edit Master title style</a:t>
             </a:r>
             <a:endParaRPr lang="en-US" dirty="0"/>
@@ -627,7 +633,7 @@
           </a:lstStyle>
           <a:p>
             <a:r>
-              <a:rPr lang="en-US" smtClean="0"/>
+              <a:rPr lang="en-US"/>
               <a:t>Click icon to add picture</a:t>
             </a:r>
             <a:endParaRPr lang="en-US" dirty="0"/>
@@ -695,7 +701,7 @@
           <a:p>
             <a:pPr lvl="0"/>
             <a:r>
-              <a:rPr lang="en-US" smtClean="0"/>
+              <a:rPr lang="en-US"/>
               <a:t>Edit Master text styles</a:t>
             </a:r>
           </a:p>
@@ -1026,7 +1032,7 @@
           </a:lstStyle>
           <a:p>
             <a:r>
-              <a:rPr lang="en-US" smtClean="0"/>
+              <a:rPr lang="en-US"/>
               <a:t>Click to edit Master title style</a:t>
             </a:r>
             <a:endParaRPr lang="en-US" dirty="0"/>
@@ -1146,7 +1152,7 @@
           <a:p>
             <a:pPr lvl="0"/>
             <a:r>
-              <a:rPr lang="en-US" smtClean="0"/>
+              <a:rPr lang="en-US"/>
               <a:t>Edit Master text styles</a:t>
             </a:r>
           </a:p>
@@ -1180,7 +1186,7 @@
           <a:p>
             <a:pPr lvl="0"/>
             <a:r>
-              <a:rPr lang="en-US" smtClean="0"/>
+              <a:rPr lang="en-US"/>
               <a:t>Edit Master text styles</a:t>
             </a:r>
           </a:p>
@@ -1511,7 +1517,7 @@
           </a:lstStyle>
           <a:p>
             <a:r>
-              <a:rPr lang="en-US" smtClean="0"/>
+              <a:rPr lang="en-US"/>
               <a:t>Click to edit Master title style</a:t>
             </a:r>
             <a:endParaRPr lang="en-US" dirty="0"/>
@@ -1546,7 +1552,7 @@
           <a:p>
             <a:pPr lvl="0"/>
             <a:r>
-              <a:rPr lang="en-US" smtClean="0"/>
+              <a:rPr lang="en-US"/>
               <a:t>Edit Master text styles</a:t>
             </a:r>
           </a:p>
@@ -1721,7 +1727,7 @@
           <a:ln/>
           <a:extLst>
             <a:ext uri="{91240B29-F687-4f45-9708-019B960494DF}">
-              <a14:hiddenLine xmlns:a14="http://schemas.microsoft.com/office/drawing/2010/main" xmlns="" w="9525">
+              <a14:hiddenLine xmlns="" xmlns:a14="http://schemas.microsoft.com/office/drawing/2010/main" w="9525">
                 <a:solidFill>
                   <a:srgbClr val="000000"/>
                 </a:solidFill>
@@ -1763,7 +1769,7 @@
           <a:lstStyle/>
           <a:p>
             <a:r>
-              <a:rPr lang="en-US" smtClean="0"/>
+              <a:rPr lang="en-US"/>
               <a:t>Click to edit Master title style</a:t>
             </a:r>
             <a:endParaRPr lang="en-US" dirty="0"/>
@@ -1787,35 +1793,35 @@
           <a:p>
             <a:pPr lvl="0"/>
             <a:r>
-              <a:rPr lang="en-US" smtClean="0"/>
+              <a:rPr lang="en-US"/>
               <a:t>Edit Master text styles</a:t>
             </a:r>
           </a:p>
           <a:p>
             <a:pPr lvl="1"/>
             <a:r>
-              <a:rPr lang="en-US" smtClean="0"/>
+              <a:rPr lang="en-US"/>
               <a:t>Second level</a:t>
             </a:r>
           </a:p>
           <a:p>
             <a:pPr lvl="2"/>
             <a:r>
-              <a:rPr lang="en-US" smtClean="0"/>
+              <a:rPr lang="en-US"/>
               <a:t>Third level</a:t>
             </a:r>
           </a:p>
           <a:p>
             <a:pPr lvl="3"/>
             <a:r>
-              <a:rPr lang="en-US" smtClean="0"/>
+              <a:rPr lang="en-US"/>
               <a:t>Fourth level</a:t>
             </a:r>
           </a:p>
           <a:p>
             <a:pPr lvl="4"/>
             <a:r>
-              <a:rPr lang="en-US" smtClean="0"/>
+              <a:rPr lang="en-US"/>
               <a:t>Fifth level</a:t>
             </a:r>
             <a:endParaRPr lang="en-US" dirty="0"/>
@@ -1993,7 +1999,7 @@
           <a:ln/>
           <a:extLst>
             <a:ext uri="{91240B29-F687-4f45-9708-019B960494DF}">
-              <a14:hiddenLine xmlns:a14="http://schemas.microsoft.com/office/drawing/2010/main" xmlns="" w="9525">
+              <a14:hiddenLine xmlns="" xmlns:a14="http://schemas.microsoft.com/office/drawing/2010/main" w="9525">
                 <a:solidFill>
                   <a:srgbClr val="000000"/>
                 </a:solidFill>
@@ -2040,7 +2046,7 @@
           <a:lstStyle/>
           <a:p>
             <a:r>
-              <a:rPr lang="en-US" smtClean="0"/>
+              <a:rPr lang="en-US"/>
               <a:t>Click to edit Master title style</a:t>
             </a:r>
             <a:endParaRPr lang="en-US" dirty="0"/>
@@ -2069,35 +2075,35 @@
           <a:p>
             <a:pPr lvl="0"/>
             <a:r>
-              <a:rPr lang="en-US" smtClean="0"/>
+              <a:rPr lang="en-US"/>
               <a:t>Edit Master text styles</a:t>
             </a:r>
           </a:p>
           <a:p>
             <a:pPr lvl="1"/>
             <a:r>
-              <a:rPr lang="en-US" smtClean="0"/>
+              <a:rPr lang="en-US"/>
               <a:t>Second level</a:t>
             </a:r>
           </a:p>
           <a:p>
             <a:pPr lvl="2"/>
             <a:r>
-              <a:rPr lang="en-US" smtClean="0"/>
+              <a:rPr lang="en-US"/>
               <a:t>Third level</a:t>
             </a:r>
           </a:p>
           <a:p>
             <a:pPr lvl="3"/>
             <a:r>
-              <a:rPr lang="en-US" smtClean="0"/>
+              <a:rPr lang="en-US"/>
               <a:t>Fourth level</a:t>
             </a:r>
           </a:p>
           <a:p>
             <a:pPr lvl="4"/>
             <a:r>
-              <a:rPr lang="en-US" smtClean="0"/>
+              <a:rPr lang="en-US"/>
               <a:t>Fifth level</a:t>
             </a:r>
             <a:endParaRPr lang="en-US" dirty="0"/>
@@ -2273,7 +2279,7 @@
           <a:ln/>
           <a:extLst>
             <a:ext uri="{91240B29-F687-4f45-9708-019B960494DF}">
-              <a14:hiddenLine xmlns:a14="http://schemas.microsoft.com/office/drawing/2010/main" xmlns="" w="9525">
+              <a14:hiddenLine xmlns="" xmlns:a14="http://schemas.microsoft.com/office/drawing/2010/main" w="9525">
                 <a:solidFill>
                   <a:srgbClr val="000000"/>
                 </a:solidFill>
@@ -2320,7 +2326,7 @@
           <a:lstStyle/>
           <a:p>
             <a:r>
-              <a:rPr lang="en-US" smtClean="0"/>
+              <a:rPr lang="en-US"/>
               <a:t>Click to edit Master title style</a:t>
             </a:r>
             <a:endParaRPr lang="en-US" dirty="0"/>
@@ -2349,35 +2355,35 @@
           <a:p>
             <a:pPr lvl="0"/>
             <a:r>
-              <a:rPr lang="en-US" smtClean="0"/>
+              <a:rPr lang="en-US"/>
               <a:t>Edit Master text styles</a:t>
             </a:r>
           </a:p>
           <a:p>
             <a:pPr lvl="1"/>
             <a:r>
-              <a:rPr lang="en-US" smtClean="0"/>
+              <a:rPr lang="en-US"/>
               <a:t>Second level</a:t>
             </a:r>
           </a:p>
           <a:p>
             <a:pPr lvl="2"/>
             <a:r>
-              <a:rPr lang="en-US" smtClean="0"/>
+              <a:rPr lang="en-US"/>
               <a:t>Third level</a:t>
             </a:r>
           </a:p>
           <a:p>
             <a:pPr lvl="3"/>
             <a:r>
-              <a:rPr lang="en-US" smtClean="0"/>
+              <a:rPr lang="en-US"/>
               <a:t>Fourth level</a:t>
             </a:r>
           </a:p>
           <a:p>
             <a:pPr lvl="4"/>
             <a:r>
-              <a:rPr lang="en-US" smtClean="0"/>
+              <a:rPr lang="en-US"/>
               <a:t>Fifth level</a:t>
             </a:r>
             <a:endParaRPr lang="en-US" dirty="0"/>
@@ -2598,7 +2604,7 @@
           </a:lstStyle>
           <a:p>
             <a:r>
-              <a:rPr lang="en-US" smtClean="0"/>
+              <a:rPr lang="en-US"/>
               <a:t>Click to edit Master title style</a:t>
             </a:r>
             <a:endParaRPr lang="en-US" dirty="0"/>
@@ -2718,7 +2724,7 @@
           <a:p>
             <a:pPr lvl="0"/>
             <a:r>
-              <a:rPr lang="en-US" smtClean="0"/>
+              <a:rPr lang="en-US"/>
               <a:t>Edit Master text styles</a:t>
             </a:r>
           </a:p>
@@ -2893,7 +2899,7 @@
           <a:ln/>
           <a:extLst>
             <a:ext uri="{91240B29-F687-4f45-9708-019B960494DF}">
-              <a14:hiddenLine xmlns:a14="http://schemas.microsoft.com/office/drawing/2010/main" xmlns="" w="9525">
+              <a14:hiddenLine xmlns="" xmlns:a14="http://schemas.microsoft.com/office/drawing/2010/main" w="9525">
                 <a:solidFill>
                   <a:srgbClr val="000000"/>
                 </a:solidFill>
@@ -2935,7 +2941,7 @@
           <a:lstStyle/>
           <a:p>
             <a:r>
-              <a:rPr lang="en-US" smtClean="0"/>
+              <a:rPr lang="en-US"/>
               <a:t>Click to edit Master title style</a:t>
             </a:r>
             <a:endParaRPr lang="en-US" dirty="0"/>
@@ -2966,35 +2972,35 @@
           <a:p>
             <a:pPr lvl="0"/>
             <a:r>
-              <a:rPr lang="en-US" smtClean="0"/>
+              <a:rPr lang="en-US"/>
               <a:t>Edit Master text styles</a:t>
             </a:r>
           </a:p>
           <a:p>
             <a:pPr lvl="1"/>
             <a:r>
-              <a:rPr lang="en-US" smtClean="0"/>
+              <a:rPr lang="en-US"/>
               <a:t>Second level</a:t>
             </a:r>
           </a:p>
           <a:p>
             <a:pPr lvl="2"/>
             <a:r>
-              <a:rPr lang="en-US" smtClean="0"/>
+              <a:rPr lang="en-US"/>
               <a:t>Third level</a:t>
             </a:r>
           </a:p>
           <a:p>
             <a:pPr lvl="3"/>
             <a:r>
-              <a:rPr lang="en-US" smtClean="0"/>
+              <a:rPr lang="en-US"/>
               <a:t>Fourth level</a:t>
             </a:r>
           </a:p>
           <a:p>
             <a:pPr lvl="4"/>
             <a:r>
-              <a:rPr lang="en-US" smtClean="0"/>
+              <a:rPr lang="en-US"/>
               <a:t>Fifth level</a:t>
             </a:r>
             <a:endParaRPr lang="en-US" dirty="0"/>
@@ -3025,35 +3031,35 @@
           <a:p>
             <a:pPr lvl="0"/>
             <a:r>
-              <a:rPr lang="en-US" smtClean="0"/>
+              <a:rPr lang="en-US"/>
               <a:t>Edit Master text styles</a:t>
             </a:r>
           </a:p>
           <a:p>
             <a:pPr lvl="1"/>
             <a:r>
-              <a:rPr lang="en-US" smtClean="0"/>
+              <a:rPr lang="en-US"/>
               <a:t>Second level</a:t>
             </a:r>
           </a:p>
           <a:p>
             <a:pPr lvl="2"/>
             <a:r>
-              <a:rPr lang="en-US" smtClean="0"/>
+              <a:rPr lang="en-US"/>
               <a:t>Third level</a:t>
             </a:r>
           </a:p>
           <a:p>
             <a:pPr lvl="3"/>
             <a:r>
-              <a:rPr lang="en-US" smtClean="0"/>
+              <a:rPr lang="en-US"/>
               <a:t>Fourth level</a:t>
             </a:r>
           </a:p>
           <a:p>
             <a:pPr lvl="4"/>
             <a:r>
-              <a:rPr lang="en-US" smtClean="0"/>
+              <a:rPr lang="en-US"/>
               <a:t>Fifth level</a:t>
             </a:r>
             <a:endParaRPr lang="en-US" dirty="0"/>
@@ -3229,7 +3235,7 @@
           <a:ln/>
           <a:extLst>
             <a:ext uri="{91240B29-F687-4f45-9708-019B960494DF}">
-              <a14:hiddenLine xmlns:a14="http://schemas.microsoft.com/office/drawing/2010/main" xmlns="" w="9525">
+              <a14:hiddenLine xmlns="" xmlns:a14="http://schemas.microsoft.com/office/drawing/2010/main" w="9525">
                 <a:solidFill>
                   <a:srgbClr val="000000"/>
                 </a:solidFill>
@@ -3275,7 +3281,7 @@
           </a:lstStyle>
           <a:p>
             <a:r>
-              <a:rPr lang="en-US" smtClean="0"/>
+              <a:rPr lang="en-US"/>
               <a:t>Click to edit Master title style</a:t>
             </a:r>
             <a:endParaRPr lang="en-US" dirty="0"/>
@@ -3343,7 +3349,7 @@
           <a:p>
             <a:pPr lvl="0"/>
             <a:r>
-              <a:rPr lang="en-US" smtClean="0"/>
+              <a:rPr lang="en-US"/>
               <a:t>Edit Master text styles</a:t>
             </a:r>
           </a:p>
@@ -3373,35 +3379,35 @@
           <a:p>
             <a:pPr lvl="0"/>
             <a:r>
-              <a:rPr lang="en-US" smtClean="0"/>
+              <a:rPr lang="en-US"/>
               <a:t>Edit Master text styles</a:t>
             </a:r>
           </a:p>
           <a:p>
             <a:pPr lvl="1"/>
             <a:r>
-              <a:rPr lang="en-US" smtClean="0"/>
+              <a:rPr lang="en-US"/>
               <a:t>Second level</a:t>
             </a:r>
           </a:p>
           <a:p>
             <a:pPr lvl="2"/>
             <a:r>
-              <a:rPr lang="en-US" smtClean="0"/>
+              <a:rPr lang="en-US"/>
               <a:t>Third level</a:t>
             </a:r>
           </a:p>
           <a:p>
             <a:pPr lvl="3"/>
             <a:r>
-              <a:rPr lang="en-US" smtClean="0"/>
+              <a:rPr lang="en-US"/>
               <a:t>Fourth level</a:t>
             </a:r>
           </a:p>
           <a:p>
             <a:pPr lvl="4"/>
             <a:r>
-              <a:rPr lang="en-US" smtClean="0"/>
+              <a:rPr lang="en-US"/>
               <a:t>Fifth level</a:t>
             </a:r>
             <a:endParaRPr lang="en-US" dirty="0"/>
@@ -3469,7 +3475,7 @@
           <a:p>
             <a:pPr lvl="0"/>
             <a:r>
-              <a:rPr lang="en-US" smtClean="0"/>
+              <a:rPr lang="en-US"/>
               <a:t>Edit Master text styles</a:t>
             </a:r>
           </a:p>
@@ -3499,35 +3505,35 @@
           <a:p>
             <a:pPr lvl="0"/>
             <a:r>
-              <a:rPr lang="en-US" smtClean="0"/>
+              <a:rPr lang="en-US"/>
               <a:t>Edit Master text styles</a:t>
             </a:r>
           </a:p>
           <a:p>
             <a:pPr lvl="1"/>
             <a:r>
-              <a:rPr lang="en-US" smtClean="0"/>
+              <a:rPr lang="en-US"/>
               <a:t>Second level</a:t>
             </a:r>
           </a:p>
           <a:p>
             <a:pPr lvl="2"/>
             <a:r>
-              <a:rPr lang="en-US" smtClean="0"/>
+              <a:rPr lang="en-US"/>
               <a:t>Third level</a:t>
             </a:r>
           </a:p>
           <a:p>
             <a:pPr lvl="3"/>
             <a:r>
-              <a:rPr lang="en-US" smtClean="0"/>
+              <a:rPr lang="en-US"/>
               <a:t>Fourth level</a:t>
             </a:r>
           </a:p>
           <a:p>
             <a:pPr lvl="4"/>
             <a:r>
-              <a:rPr lang="en-US" smtClean="0"/>
+              <a:rPr lang="en-US"/>
               <a:t>Fifth level</a:t>
             </a:r>
             <a:endParaRPr lang="en-US" dirty="0"/>
@@ -3703,7 +3709,7 @@
           <a:ln/>
           <a:extLst>
             <a:ext uri="{91240B29-F687-4f45-9708-019B960494DF}">
-              <a14:hiddenLine xmlns:a14="http://schemas.microsoft.com/office/drawing/2010/main" xmlns="" w="9525">
+              <a14:hiddenLine xmlns="" xmlns:a14="http://schemas.microsoft.com/office/drawing/2010/main" w="9525">
                 <a:solidFill>
                   <a:srgbClr val="000000"/>
                 </a:solidFill>
@@ -3745,7 +3751,7 @@
           <a:lstStyle/>
           <a:p>
             <a:r>
-              <a:rPr lang="en-US" smtClean="0"/>
+              <a:rPr lang="en-US"/>
               <a:t>Click to edit Master title style</a:t>
             </a:r>
             <a:endParaRPr lang="en-US" dirty="0"/>
@@ -4126,7 +4132,7 @@
           <a:ln/>
           <a:extLst>
             <a:ext uri="{91240B29-F687-4f45-9708-019B960494DF}">
-              <a14:hiddenLine xmlns:a14="http://schemas.microsoft.com/office/drawing/2010/main" xmlns="" w="9525">
+              <a14:hiddenLine xmlns="" xmlns:a14="http://schemas.microsoft.com/office/drawing/2010/main" w="9525">
                 <a:solidFill>
                   <a:srgbClr val="000000"/>
                 </a:solidFill>
@@ -4177,7 +4183,7 @@
           </a:lstStyle>
           <a:p>
             <a:r>
-              <a:rPr lang="en-US" smtClean="0"/>
+              <a:rPr lang="en-US"/>
               <a:t>Click to edit Master title style</a:t>
             </a:r>
             <a:endParaRPr lang="en-US" dirty="0"/>
@@ -4208,35 +4214,35 @@
           <a:p>
             <a:pPr lvl="0"/>
             <a:r>
-              <a:rPr lang="en-US" smtClean="0"/>
+              <a:rPr lang="en-US"/>
               <a:t>Edit Master text styles</a:t>
             </a:r>
           </a:p>
           <a:p>
             <a:pPr lvl="1"/>
             <a:r>
-              <a:rPr lang="en-US" smtClean="0"/>
+              <a:rPr lang="en-US"/>
               <a:t>Second level</a:t>
             </a:r>
           </a:p>
           <a:p>
             <a:pPr lvl="2"/>
             <a:r>
-              <a:rPr lang="en-US" smtClean="0"/>
+              <a:rPr lang="en-US"/>
               <a:t>Third level</a:t>
             </a:r>
           </a:p>
           <a:p>
             <a:pPr lvl="3"/>
             <a:r>
-              <a:rPr lang="en-US" smtClean="0"/>
+              <a:rPr lang="en-US"/>
               <a:t>Fourth level</a:t>
             </a:r>
           </a:p>
           <a:p>
             <a:pPr lvl="4"/>
             <a:r>
-              <a:rPr lang="en-US" smtClean="0"/>
+              <a:rPr lang="en-US"/>
               <a:t>Fifth level</a:t>
             </a:r>
             <a:endParaRPr lang="en-US" dirty="0"/>
@@ -4302,7 +4308,7 @@
           <a:p>
             <a:pPr lvl="0"/>
             <a:r>
-              <a:rPr lang="en-US" smtClean="0"/>
+              <a:rPr lang="en-US"/>
               <a:t>Edit Master text styles</a:t>
             </a:r>
           </a:p>
@@ -4427,7 +4433,7 @@
           </a:lstStyle>
           <a:p>
             <a:r>
-              <a:rPr lang="en-US" smtClean="0"/>
+              <a:rPr lang="en-US"/>
               <a:t>Click to edit Master title style</a:t>
             </a:r>
             <a:endParaRPr lang="en-US" dirty="0"/>
@@ -4539,7 +4545,7 @@
           </a:lstStyle>
           <a:p>
             <a:r>
-              <a:rPr lang="en-US" smtClean="0"/>
+              <a:rPr lang="en-US"/>
               <a:t>Click icon to add picture</a:t>
             </a:r>
             <a:endParaRPr lang="en-US" dirty="0"/>
@@ -4607,7 +4613,7 @@
           <a:p>
             <a:pPr lvl="0"/>
             <a:r>
-              <a:rPr lang="en-US" smtClean="0"/>
+              <a:rPr lang="en-US"/>
               <a:t>Edit Master text styles</a:t>
             </a:r>
           </a:p>
@@ -4758,7 +4764,7 @@
           <a:lstStyle/>
           <a:p>
             <a:r>
-              <a:rPr lang="en-US" smtClean="0"/>
+              <a:rPr lang="en-US"/>
               <a:t>Click to edit Master title style</a:t>
             </a:r>
             <a:endParaRPr lang="en-US" dirty="0"/>
@@ -4799,35 +4805,35 @@
           <a:p>
             <a:pPr lvl="0"/>
             <a:r>
-              <a:rPr lang="en-US" smtClean="0"/>
+              <a:rPr lang="en-US"/>
               <a:t>Edit Master text styles</a:t>
             </a:r>
           </a:p>
           <a:p>
             <a:pPr lvl="1"/>
             <a:r>
-              <a:rPr lang="en-US" smtClean="0"/>
+              <a:rPr lang="en-US"/>
               <a:t>Second level</a:t>
             </a:r>
           </a:p>
           <a:p>
             <a:pPr lvl="2"/>
             <a:r>
-              <a:rPr lang="en-US" smtClean="0"/>
+              <a:rPr lang="en-US"/>
               <a:t>Third level</a:t>
             </a:r>
           </a:p>
           <a:p>
             <a:pPr lvl="3"/>
             <a:r>
-              <a:rPr lang="en-US" smtClean="0"/>
+              <a:rPr lang="en-US"/>
               <a:t>Fourth level</a:t>
             </a:r>
           </a:p>
           <a:p>
             <a:pPr lvl="4"/>
             <a:r>
-              <a:rPr lang="en-US" smtClean="0"/>
+              <a:rPr lang="en-US"/>
               <a:t>Fifth level</a:t>
             </a:r>
             <a:endParaRPr lang="en-US" dirty="0"/>
@@ -5365,14 +5371,13 @@
           <a:lstStyle/>
           <a:p>
             <a:r>
-              <a:rPr lang="en-US" dirty="0" err="1" smtClean="0"/>
+              <a:rPr lang="en-US" dirty="0" err="1"/>
               <a:t>Git</a:t>
             </a:r>
             <a:r>
-              <a:rPr lang="en-US" dirty="0" smtClean="0"/>
+              <a:rPr lang="en-US" dirty="0"/>
               <a:t> , GitHub Tutorial	</a:t>
             </a:r>
-            <a:endParaRPr lang="en-US" dirty="0"/>
           </a:p>
         </p:txBody>
       </p:sp>
@@ -5397,14 +5402,13 @@
           <a:lstStyle/>
           <a:p>
             <a:r>
-              <a:rPr lang="en-US" dirty="0" err="1" smtClean="0"/>
+              <a:rPr lang="en-US" dirty="0" err="1"/>
               <a:t>Ghealth</a:t>
             </a:r>
             <a:r>
-              <a:rPr lang="en-US" dirty="0" smtClean="0"/>
+              <a:rPr lang="en-US" dirty="0"/>
               <a:t> Project</a:t>
             </a:r>
-            <a:endParaRPr lang="en-US" dirty="0"/>
           </a:p>
         </p:txBody>
       </p:sp>
@@ -5418,13 +5422,6 @@
   <p:clrMapOvr>
     <a:masterClrMapping/>
   </p:clrMapOvr>
-  <p:timing>
-    <p:tnLst>
-      <p:par>
-        <p:cTn id="1" dur="indefinite" restart="never" nodeType="tmRoot"/>
-      </p:par>
-    </p:tnLst>
-  </p:timing>
 </p:sld>
 </file>
 
@@ -5461,18 +5458,9 @@
           <a:lstStyle/>
           <a:p>
             <a:r>
-              <a:rPr lang="en-US" dirty="0" smtClean="0"/>
-              <a:t>Project </a:t>
-            </a:r>
-            <a:r>
-              <a:rPr lang="en-US" dirty="0"/>
-              <a:t>f</a:t>
-            </a:r>
-            <a:r>
-              <a:rPr lang="en-US" dirty="0" smtClean="0"/>
-              <a:t>iles structure</a:t>
-            </a:r>
-            <a:endParaRPr lang="en-US" dirty="0"/>
+              <a:rPr lang="en-US" dirty="0"/>
+              <a:t>Project files structure</a:t>
+            </a:r>
           </a:p>
         </p:txBody>
       </p:sp>
@@ -5498,67 +5486,67 @@
           <a:p>
             <a:pPr algn="r" rtl="1"/>
             <a:r>
-              <a:rPr lang="he-IL" dirty="0" smtClean="0"/>
+              <a:rPr lang="he-IL" dirty="0"/>
               <a:t>כך אמור להיראות מאגר אחרי </a:t>
             </a:r>
             <a:r>
-              <a:rPr lang="en-US" dirty="0" smtClean="0"/>
+              <a:rPr lang="en-US" dirty="0"/>
               <a:t>CLONE</a:t>
             </a:r>
             <a:r>
-              <a:rPr lang="he-IL" dirty="0" smtClean="0"/>
+              <a:rPr lang="he-IL" dirty="0"/>
               <a:t> </a:t>
             </a:r>
           </a:p>
           <a:p>
             <a:pPr algn="r" rtl="1"/>
             <a:r>
-              <a:rPr lang="he-IL" dirty="0" smtClean="0"/>
+              <a:rPr lang="he-IL" dirty="0"/>
               <a:t>בתיקיית </a:t>
             </a:r>
             <a:r>
-              <a:rPr lang="en-US" dirty="0" smtClean="0"/>
+              <a:rPr lang="en-US" dirty="0"/>
               <a:t>CODE</a:t>
             </a:r>
             <a:r>
-              <a:rPr lang="he-IL" dirty="0" smtClean="0"/>
+              <a:rPr lang="he-IL" dirty="0"/>
               <a:t> נמצא הפרוייקט התכנותי</a:t>
             </a:r>
           </a:p>
           <a:p>
             <a:pPr algn="r" rtl="1"/>
             <a:r>
-              <a:rPr lang="he-IL" dirty="0" smtClean="0"/>
+              <a:rPr lang="he-IL" dirty="0"/>
               <a:t>בתיקיית </a:t>
             </a:r>
             <a:r>
-              <a:rPr lang="en-US" dirty="0" smtClean="0"/>
+              <a:rPr lang="en-US" dirty="0"/>
               <a:t>UML</a:t>
             </a:r>
             <a:r>
-              <a:rPr lang="he-IL" dirty="0" smtClean="0"/>
+              <a:rPr lang="he-IL" dirty="0"/>
               <a:t> יהיו כל הדיאגרמות והמבנים</a:t>
             </a:r>
           </a:p>
           <a:p>
             <a:pPr algn="r" rtl="1"/>
             <a:r>
-              <a:rPr lang="en-US" dirty="0" smtClean="0"/>
+              <a:rPr lang="en-US" dirty="0"/>
               <a:t>MSPROJECT</a:t>
             </a:r>
             <a:r>
-              <a:rPr lang="he-IL" dirty="0" smtClean="0"/>
+              <a:rPr lang="he-IL" dirty="0"/>
               <a:t> תכיל את הקשור לניהות הפרוייקט</a:t>
             </a:r>
           </a:p>
           <a:p>
             <a:pPr algn="r" rtl="1"/>
             <a:r>
-              <a:rPr lang="en-US" dirty="0" smtClean="0"/>
+              <a:rPr lang="en-US" dirty="0"/>
               <a:t>TESTS , OTHER</a:t>
             </a:r>
             <a:r>
-              <a:rPr lang="he-IL" dirty="0" smtClean="0"/>
+              <a:rPr lang="he-IL" dirty="0"/>
               <a:t> יכילו בדיקות ודברים אחרים </a:t>
             </a:r>
             <a:endParaRPr lang="en-US" dirty="0"/>
@@ -5626,6 +5614,84 @@
 </p:sld>
 </file>
 
+<file path=ppt/slides/slide11.xml><?xml version="1.0" encoding="utf-8"?>
+<p:sld xmlns:a="http://schemas.openxmlformats.org/drawingml/2006/main" xmlns:r="http://schemas.openxmlformats.org/officeDocument/2006/relationships" xmlns:p="http://schemas.openxmlformats.org/presentationml/2006/main">
+  <p:cSld>
+    <p:spTree>
+      <p:nvGrpSpPr>
+        <p:cNvPr id="1" name=""/>
+        <p:cNvGrpSpPr/>
+        <p:nvPr/>
+      </p:nvGrpSpPr>
+      <p:grpSpPr>
+        <a:xfrm>
+          <a:off x="0" y="0"/>
+          <a:ext cx="0" cy="0"/>
+          <a:chOff x="0" y="0"/>
+          <a:chExt cx="0" cy="0"/>
+        </a:xfrm>
+      </p:grpSpPr>
+      <p:sp>
+        <p:nvSpPr>
+          <p:cNvPr id="2" name="Title 1"/>
+          <p:cNvSpPr>
+            <a:spLocks noGrp="1"/>
+          </p:cNvSpPr>
+          <p:nvPr>
+            <p:ph type="title"/>
+          </p:nvPr>
+        </p:nvSpPr>
+        <p:spPr/>
+        <p:txBody>
+          <a:bodyPr/>
+          <a:lstStyle/>
+          <a:p>
+            <a:r>
+              <a:rPr lang="en-US" dirty="0"/>
+              <a:t>Branch	</a:t>
+            </a:r>
+          </a:p>
+        </p:txBody>
+      </p:sp>
+      <p:pic>
+        <p:nvPicPr>
+          <p:cNvPr id="4" name="Content Placeholder 3"/>
+          <p:cNvPicPr>
+            <a:picLocks noGrp="1" noChangeAspect="1"/>
+          </p:cNvPicPr>
+          <p:nvPr>
+            <p:ph idx="1"/>
+          </p:nvPr>
+        </p:nvPicPr>
+        <p:blipFill>
+          <a:blip r:embed="rId2"/>
+          <a:stretch>
+            <a:fillRect/>
+          </a:stretch>
+        </p:blipFill>
+        <p:spPr>
+          <a:xfrm>
+            <a:off x="6343415" y="789116"/>
+            <a:ext cx="5296649" cy="5315466"/>
+          </a:xfrm>
+          <a:prstGeom prst="rect">
+            <a:avLst/>
+          </a:prstGeom>
+        </p:spPr>
+      </p:pic>
+    </p:spTree>
+    <p:extLst>
+      <p:ext uri="{BB962C8B-B14F-4D97-AF65-F5344CB8AC3E}">
+        <p14:creationId xmlns:p14="http://schemas.microsoft.com/office/powerpoint/2010/main" val="1972100509"/>
+      </p:ext>
+    </p:extLst>
+  </p:cSld>
+  <p:clrMapOvr>
+    <a:masterClrMapping/>
+  </p:clrMapOvr>
+</p:sld>
+</file>
+
 <file path=ppt/slides/slide2.xml><?xml version="1.0" encoding="utf-8"?>
 <p:sld xmlns:a="http://schemas.openxmlformats.org/drawingml/2006/main" xmlns:r="http://schemas.openxmlformats.org/officeDocument/2006/relationships" xmlns:p="http://schemas.openxmlformats.org/presentationml/2006/main">
   <p:cSld>
@@ -5659,20 +5725,19 @@
           <a:lstStyle/>
           <a:p>
             <a:r>
-              <a:rPr lang="en-US" dirty="0" smtClean="0"/>
+              <a:rPr lang="en-US" dirty="0"/>
               <a:t>GitHub </a:t>
             </a:r>
             <a:r>
-              <a:rPr lang="en-US" dirty="0" smtClean="0">
+              <a:rPr lang="en-US" dirty="0">
                 <a:hlinkClick r:id="rId2"/>
               </a:rPr>
               <a:t>www.github.com</a:t>
             </a:r>
             <a:r>
-              <a:rPr lang="en-US" dirty="0" smtClean="0"/>
+              <a:rPr lang="en-US" dirty="0"/>
               <a:t>/ajbolous/labRep</a:t>
             </a:r>
-            <a:endParaRPr lang="en-US" dirty="0"/>
           </a:p>
         </p:txBody>
       </p:sp>
@@ -6150,34 +6215,34 @@
           <a:p>
             <a:pPr algn="just" rtl="1"/>
             <a:r>
-              <a:rPr lang="he-IL" dirty="0" smtClean="0"/>
+              <a:rPr lang="he-IL" dirty="0"/>
               <a:t>מטרת </a:t>
             </a:r>
             <a:r>
-              <a:rPr lang="en-US" dirty="0" smtClean="0"/>
+              <a:rPr lang="en-US" dirty="0"/>
               <a:t>GITHUB</a:t>
             </a:r>
             <a:r>
-              <a:rPr lang="he-IL" dirty="0" smtClean="0"/>
+              <a:rPr lang="he-IL" dirty="0"/>
               <a:t> היא לארח ולשמור על פרוייקטים ולאפשר אינטראקציה עם תוכנת </a:t>
             </a:r>
             <a:r>
-              <a:rPr lang="en-US" dirty="0" smtClean="0"/>
+              <a:rPr lang="en-US" dirty="0"/>
               <a:t>GIT</a:t>
             </a:r>
-            <a:endParaRPr lang="he-IL" dirty="0" smtClean="0"/>
+            <a:endParaRPr lang="he-IL" dirty="0"/>
           </a:p>
           <a:p>
             <a:pPr algn="just" rtl="1"/>
             <a:r>
-              <a:rPr lang="he-IL" dirty="0" smtClean="0"/>
+              <a:rPr lang="he-IL" dirty="0"/>
               <a:t>הממשק די פשוט ואפשר לראות את כל הקבצים והשינויים דרכו.</a:t>
             </a:r>
           </a:p>
           <a:p>
             <a:pPr algn="just" rtl="1"/>
             <a:r>
-              <a:rPr lang="he-IL" dirty="0" smtClean="0"/>
+              <a:rPr lang="he-IL" dirty="0"/>
               <a:t>יש לייצור שם משתמש שם ובעזרתו לעבוד</a:t>
             </a:r>
             <a:endParaRPr lang="en-US" dirty="0"/>
@@ -6194,13 +6259,6 @@
   <p:clrMapOvr>
     <a:masterClrMapping/>
   </p:clrMapOvr>
-  <p:timing>
-    <p:tnLst>
-      <p:par>
-        <p:cTn id="1" dur="indefinite" restart="never" nodeType="tmRoot"/>
-      </p:par>
-    </p:tnLst>
-  </p:timing>
 </p:sld>
 </file>
 
@@ -6237,7 +6295,7 @@
           <a:lstStyle/>
           <a:p>
             <a:r>
-              <a:rPr lang="en-US" dirty="0" err="1" smtClean="0"/>
+              <a:rPr lang="en-US" dirty="0" err="1"/>
               <a:t>Git</a:t>
             </a:r>
             <a:endParaRPr lang="en-US" dirty="0"/>
@@ -6266,63 +6324,62 @@
           <a:p>
             <a:pPr algn="r" rtl="1"/>
             <a:r>
-              <a:rPr lang="en-US" dirty="0" smtClean="0"/>
+              <a:rPr lang="en-US" dirty="0"/>
               <a:t>GIT</a:t>
             </a:r>
             <a:r>
-              <a:rPr lang="he-IL" dirty="0" smtClean="0"/>
+              <a:rPr lang="he-IL" dirty="0"/>
               <a:t> הוא תוכנה שפותחה על ידי </a:t>
             </a:r>
             <a:r>
-              <a:rPr lang="en-US" dirty="0" smtClean="0"/>
+              <a:rPr lang="en-US" dirty="0"/>
               <a:t>LINUS TROVALDES</a:t>
             </a:r>
             <a:r>
-              <a:rPr lang="he-IL" dirty="0" smtClean="0"/>
+              <a:rPr lang="he-IL" dirty="0"/>
               <a:t> המפתח של </a:t>
             </a:r>
             <a:r>
-              <a:rPr lang="en-US" dirty="0" smtClean="0"/>
+              <a:rPr lang="en-US" dirty="0"/>
               <a:t>LINUX</a:t>
             </a:r>
             <a:r>
-              <a:rPr lang="he-IL" dirty="0" smtClean="0"/>
+              <a:rPr lang="he-IL" dirty="0"/>
               <a:t> ומטרתה לעקוב אחרי שינויים וגרסאות של קוד.</a:t>
             </a:r>
           </a:p>
           <a:p>
             <a:pPr algn="r" rtl="1"/>
             <a:r>
-              <a:rPr lang="he-IL" dirty="0" smtClean="0"/>
+              <a:rPr lang="he-IL" dirty="0"/>
               <a:t>התוכנה לא עוקבת אחרי קבצים אלא שינויים בקבצים</a:t>
             </a:r>
           </a:p>
           <a:p>
             <a:pPr algn="r" rtl="1"/>
             <a:r>
-              <a:rPr lang="he-IL" dirty="0" smtClean="0"/>
+              <a:rPr lang="he-IL" dirty="0"/>
               <a:t>רוב התעשייה משתמשת בה בגלל נוחיות וגמישות</a:t>
             </a:r>
           </a:p>
           <a:p>
             <a:pPr algn="r" rtl="1"/>
             <a:r>
-              <a:rPr lang="he-IL" dirty="0" smtClean="0"/>
+              <a:rPr lang="he-IL" dirty="0"/>
               <a:t>עדיף ללמוד איך להשתמש בגרסת ה </a:t>
             </a:r>
             <a:r>
-              <a:rPr lang="en-US" dirty="0" smtClean="0"/>
+              <a:rPr lang="en-US" dirty="0"/>
               <a:t>CMD</a:t>
             </a:r>
             <a:r>
-              <a:rPr lang="he-IL" dirty="0" smtClean="0"/>
+              <a:rPr lang="he-IL" dirty="0"/>
               <a:t> שלה ל</a:t>
             </a:r>
             <a:r>
-              <a:rPr lang="en-US" dirty="0" smtClean="0"/>
+              <a:rPr lang="en-US" dirty="0"/>
               <a:t>WINDOWS</a:t>
             </a:r>
-            <a:endParaRPr lang="en-US" dirty="0"/>
           </a:p>
         </p:txBody>
       </p:sp>
@@ -6336,13 +6393,6 @@
   <p:clrMapOvr>
     <a:masterClrMapping/>
   </p:clrMapOvr>
-  <p:timing>
-    <p:tnLst>
-      <p:par>
-        <p:cTn id="1" dur="indefinite" restart="never" nodeType="tmRoot"/>
-      </p:par>
-    </p:tnLst>
-  </p:timing>
 </p:sld>
 </file>
 
@@ -6379,11 +6429,11 @@
           <a:lstStyle/>
           <a:p>
             <a:r>
-              <a:rPr lang="en-US" dirty="0" smtClean="0"/>
+              <a:rPr lang="en-US" dirty="0"/>
               <a:t>Download </a:t>
             </a:r>
             <a:r>
-              <a:rPr lang="en-US" dirty="0" err="1" smtClean="0"/>
+              <a:rPr lang="en-US" dirty="0" err="1"/>
               <a:t>Git</a:t>
             </a:r>
             <a:endParaRPr lang="en-US" dirty="0"/>
@@ -6448,13 +6498,6 @@
   <p:clrMapOvr>
     <a:masterClrMapping/>
   </p:clrMapOvr>
-  <p:timing>
-    <p:tnLst>
-      <p:par>
-        <p:cTn id="1" dur="indefinite" restart="never" nodeType="tmRoot"/>
-      </p:par>
-    </p:tnLst>
-  </p:timing>
 </p:sld>
 </file>
 
@@ -6491,15 +6534,15 @@
           <a:lstStyle/>
           <a:p>
             <a:r>
-              <a:rPr lang="en-US" dirty="0" err="1" smtClean="0"/>
+              <a:rPr lang="en-US" dirty="0" err="1"/>
               <a:t>Git</a:t>
             </a:r>
             <a:r>
-              <a:rPr lang="en-US" dirty="0" smtClean="0"/>
+              <a:rPr lang="en-US" dirty="0"/>
               <a:t>, Basic commands</a:t>
             </a:r>
             <a:r>
-              <a:rPr lang="he-IL" dirty="0" smtClean="0"/>
+              <a:rPr lang="he-IL" dirty="0"/>
               <a:t>	</a:t>
             </a:r>
             <a:endParaRPr lang="en-US" dirty="0"/>
@@ -6530,19 +6573,19 @@
           <a:p>
             <a:pPr algn="r" rtl="1"/>
             <a:r>
-              <a:rPr lang="en-US" dirty="0" err="1" smtClean="0"/>
+              <a:rPr lang="en-US" dirty="0" err="1"/>
               <a:t>git</a:t>
             </a:r>
             <a:r>
-              <a:rPr lang="en-US" dirty="0" smtClean="0"/>
+              <a:rPr lang="en-US" dirty="0"/>
               <a:t> clone &lt;</a:t>
             </a:r>
             <a:r>
-              <a:rPr lang="en-US" dirty="0" err="1" smtClean="0"/>
+              <a:rPr lang="en-US" dirty="0" err="1"/>
               <a:t>github</a:t>
             </a:r>
             <a:r>
-              <a:rPr lang="en-US" dirty="0" smtClean="0"/>
+              <a:rPr lang="en-US" dirty="0"/>
               <a:t>-path&gt;</a:t>
             </a:r>
           </a:p>
@@ -6551,11 +6594,11 @@
               <a:buNone/>
             </a:pPr>
             <a:r>
-              <a:rPr lang="en-US" dirty="0" smtClean="0"/>
+              <a:rPr lang="en-US" dirty="0"/>
               <a:t>		example : </a:t>
             </a:r>
             <a:r>
-              <a:rPr lang="en-US" dirty="0" err="1" smtClean="0"/>
+              <a:rPr lang="en-US" dirty="0" err="1"/>
               <a:t>git</a:t>
             </a:r>
             <a:r>
@@ -6566,38 +6609,28 @@
               <a:rPr lang="en-US" dirty="0">
                 <a:hlinkClick r:id="rId2"/>
               </a:rPr>
-              <a:t>https://</a:t>
-            </a:r>
-            <a:r>
-              <a:rPr lang="en-US" dirty="0" smtClean="0">
-                <a:hlinkClick r:id="rId2"/>
-              </a:rPr>
-              <a:t>github.com/ajbolous/labRep.git</a:t>
-            </a:r>
-            <a:endParaRPr lang="en-US" dirty="0" smtClean="0"/>
+              <a:t>https://github.com/ajbolous/labRep.git</a:t>
+            </a:r>
+            <a:endParaRPr lang="en-US" dirty="0"/>
           </a:p>
           <a:p>
             <a:pPr marL="0" indent="0" algn="r" rtl="1">
               <a:buNone/>
             </a:pPr>
             <a:r>
-              <a:rPr lang="en-US" dirty="0" smtClean="0"/>
+              <a:rPr lang="en-US" dirty="0"/>
               <a:t>		</a:t>
             </a:r>
             <a:r>
-              <a:rPr lang="he-IL" dirty="0" smtClean="0"/>
+              <a:rPr lang="he-IL" dirty="0"/>
               <a:t>פעולה זו מעתיקה מאגר מ </a:t>
             </a:r>
             <a:r>
               <a:rPr lang="en-US" dirty="0"/>
-              <a:t> </a:t>
-            </a:r>
-            <a:r>
-              <a:rPr lang="en-US" dirty="0" smtClean="0"/>
-              <a:t>GITHUB </a:t>
-            </a:r>
-            <a:r>
-              <a:rPr lang="he-IL" dirty="0" smtClean="0"/>
+              <a:t> GITHUB </a:t>
+            </a:r>
+            <a:r>
+              <a:rPr lang="he-IL" dirty="0"/>
               <a:t> לתיקייה ומאתחלת פרוייקט מקומי</a:t>
             </a:r>
             <a:endParaRPr lang="en-US" dirty="0"/>
@@ -6826,11 +6859,11 @@
           <a:p>
             <a:pPr algn="r" rtl="1"/>
             <a:r>
-              <a:rPr lang="en-US" dirty="0" err="1" smtClean="0"/>
+              <a:rPr lang="en-US" dirty="0" err="1"/>
               <a:t>git</a:t>
             </a:r>
             <a:r>
-              <a:rPr lang="en-US" dirty="0" smtClean="0"/>
+              <a:rPr lang="en-US" dirty="0"/>
               <a:t> pull</a:t>
             </a:r>
           </a:p>
@@ -6840,11 +6873,11 @@
               <a:buNone/>
             </a:pPr>
             <a:r>
-              <a:rPr lang="en-US" dirty="0" smtClean="0"/>
+              <a:rPr lang="en-US" dirty="0"/>
               <a:t>		</a:t>
             </a:r>
             <a:r>
-              <a:rPr lang="he-IL" dirty="0" smtClean="0"/>
+              <a:rPr lang="he-IL" dirty="0"/>
               <a:t>פעולה זו מטרתה לשאוב את כל השינויים ולעדכן את הגרסה הנוכחית המקומית</a:t>
             </a:r>
             <a:endParaRPr lang="en-US" dirty="0"/>
@@ -7073,11 +7106,11 @@
           <a:p>
             <a:pPr algn="r" rtl="1"/>
             <a:r>
-              <a:rPr lang="en-US" dirty="0" err="1" smtClean="0"/>
+              <a:rPr lang="en-US" dirty="0" err="1"/>
               <a:t>git</a:t>
             </a:r>
             <a:r>
-              <a:rPr lang="en-US" dirty="0" smtClean="0"/>
+              <a:rPr lang="en-US" dirty="0"/>
               <a:t> add &lt;file name&gt;</a:t>
             </a:r>
           </a:p>
@@ -7087,19 +7120,19 @@
               <a:buNone/>
             </a:pPr>
             <a:r>
-              <a:rPr lang="en-US" dirty="0" smtClean="0"/>
+              <a:rPr lang="en-US" dirty="0"/>
               <a:t>		</a:t>
             </a:r>
             <a:r>
-              <a:rPr lang="he-IL" dirty="0" smtClean="0"/>
+              <a:rPr lang="he-IL" dirty="0"/>
               <a:t>פעולה זו מטרתה להוסיף שינויים בקובץ לחבילת ההגשה, כלומר להכריז על </a:t>
             </a:r>
             <a:r>
-              <a:rPr lang="en-US" dirty="0" smtClean="0"/>
+              <a:rPr lang="en-US" dirty="0"/>
               <a:t>				</a:t>
             </a:r>
             <a:r>
-              <a:rPr lang="he-IL" dirty="0" smtClean="0"/>
+              <a:rPr lang="he-IL" dirty="0"/>
               <a:t>השינויים שהם מיועדים להעלאה לפרוייקט הגלובלי</a:t>
             </a:r>
             <a:endParaRPr lang="en-US" dirty="0"/>
@@ -7328,11 +7361,11 @@
           <a:p>
             <a:pPr algn="r" rtl="1"/>
             <a:r>
-              <a:rPr lang="en-US" dirty="0" err="1" smtClean="0"/>
+              <a:rPr lang="en-US" dirty="0" err="1"/>
               <a:t>git</a:t>
             </a:r>
             <a:r>
-              <a:rPr lang="en-US" dirty="0" smtClean="0"/>
+              <a:rPr lang="en-US" dirty="0"/>
               <a:t> status</a:t>
             </a:r>
           </a:p>
@@ -7342,19 +7375,19 @@
               <a:buNone/>
             </a:pPr>
             <a:r>
-              <a:rPr lang="en-US" dirty="0" smtClean="0"/>
+              <a:rPr lang="en-US" dirty="0"/>
               <a:t>		</a:t>
             </a:r>
             <a:r>
-              <a:rPr lang="he-IL" dirty="0" smtClean="0"/>
+              <a:rPr lang="he-IL" dirty="0"/>
               <a:t>פעולה זו מטרתה להציג את מצב המאגר המקומי, כלומר שינויים שבוצעו ומצב </a:t>
             </a:r>
             <a:r>
-              <a:rPr lang="en-US" dirty="0" smtClean="0"/>
+              <a:rPr lang="en-US" dirty="0"/>
               <a:t>			</a:t>
             </a:r>
             <a:r>
-              <a:rPr lang="he-IL" dirty="0" smtClean="0"/>
+              <a:rPr lang="he-IL" dirty="0"/>
               <a:t>קבצים</a:t>
             </a:r>
             <a:endParaRPr lang="en-US" dirty="0"/>
@@ -7371,13 +7404,6 @@
   <p:clrMapOvr>
     <a:masterClrMapping/>
   </p:clrMapOvr>
-  <p:timing>
-    <p:tnLst>
-      <p:par>
-        <p:cTn id="1" dur="indefinite" restart="never" nodeType="tmRoot"/>
-      </p:par>
-    </p:tnLst>
-  </p:timing>
 </p:sld>
 </file>
 
@@ -7414,10 +7440,9 @@
           <a:lstStyle/>
           <a:p>
             <a:r>
-              <a:rPr lang="en-US" dirty="0" smtClean="0"/>
+              <a:rPr lang="en-US" dirty="0"/>
               <a:t>GIT, More basic commands</a:t>
             </a:r>
-            <a:endParaRPr lang="en-US" dirty="0"/>
           </a:p>
         </p:txBody>
       </p:sp>
@@ -7445,11 +7470,11 @@
           <a:p>
             <a:pPr algn="r" rtl="1"/>
             <a:r>
-              <a:rPr lang="en-US" dirty="0" err="1" smtClean="0"/>
+              <a:rPr lang="en-US" dirty="0" err="1"/>
               <a:t>git</a:t>
             </a:r>
             <a:r>
-              <a:rPr lang="en-US" dirty="0" smtClean="0"/>
+              <a:rPr lang="en-US" dirty="0"/>
               <a:t> commit –m “message here”</a:t>
             </a:r>
           </a:p>
@@ -7458,15 +7483,15 @@
               <a:buNone/>
             </a:pPr>
             <a:r>
-              <a:rPr lang="he-IL" dirty="0" smtClean="0"/>
+              <a:rPr lang="he-IL" dirty="0"/>
               <a:t>פעולה זו מוסיפה את כל השינויים שהוספו בעזרת </a:t>
             </a:r>
             <a:r>
-              <a:rPr lang="en-US" dirty="0" smtClean="0"/>
+              <a:rPr lang="en-US" dirty="0"/>
               <a:t>ADD</a:t>
             </a:r>
             <a:r>
-              <a:rPr lang="he-IL" dirty="0" smtClean="0"/>
+              <a:rPr lang="he-IL" dirty="0"/>
               <a:t> לתוך חבילה שמיועדת להעלאה ומגדירה הודעה שמטרתה להבהיר את השינויי שהוכנס</a:t>
             </a:r>
             <a:endParaRPr lang="en-US" dirty="0"/>
@@ -7695,11 +7720,11 @@
           <a:p>
             <a:pPr algn="r" rtl="1"/>
             <a:r>
-              <a:rPr lang="en-US" dirty="0" err="1" smtClean="0"/>
+              <a:rPr lang="en-US" dirty="0" err="1"/>
               <a:t>git</a:t>
             </a:r>
             <a:r>
-              <a:rPr lang="en-US" dirty="0" smtClean="0"/>
+              <a:rPr lang="en-US" dirty="0"/>
               <a:t> push</a:t>
             </a:r>
           </a:p>
@@ -7709,22 +7734,21 @@
               <a:buNone/>
             </a:pPr>
             <a:r>
-              <a:rPr lang="he-IL" dirty="0" smtClean="0"/>
+              <a:rPr lang="he-IL" dirty="0"/>
               <a:t>פעולה זו מעלה את החבילה שהוגדרה ב </a:t>
             </a:r>
             <a:r>
-              <a:rPr lang="en-US" dirty="0" smtClean="0"/>
+              <a:rPr lang="en-US" dirty="0"/>
               <a:t>COMMIT</a:t>
             </a:r>
             <a:r>
-              <a:rPr lang="he-IL" dirty="0" smtClean="0"/>
+              <a:rPr lang="he-IL" dirty="0"/>
               <a:t> ומוסיפה אותה למאגר הגלובלי, פה צריך להזדהות על ידי שם המשתמש והסיסמה של אתר </a:t>
             </a:r>
             <a:r>
-              <a:rPr lang="en-US" dirty="0" smtClean="0"/>
+              <a:rPr lang="en-US" dirty="0"/>
               <a:t>GITHUB</a:t>
             </a:r>
-            <a:endParaRPr lang="en-US" dirty="0"/>
           </a:p>
         </p:txBody>
       </p:sp>
@@ -7738,13 +7762,6 @@
   <p:clrMapOvr>
     <a:masterClrMapping/>
   </p:clrMapOvr>
-  <p:timing>
-    <p:tnLst>
-      <p:par>
-        <p:cTn id="1" dur="indefinite" restart="never" nodeType="tmRoot"/>
-      </p:par>
-    </p:tnLst>
-  </p:timing>
 </p:sld>
 </file>
 
@@ -7791,10 +7808,9 @@
           <a:lstStyle/>
           <a:p>
             <a:r>
-              <a:rPr lang="en-US" dirty="0" smtClean="0"/>
+              <a:rPr lang="en-US" dirty="0"/>
               <a:t>Example	</a:t>
             </a:r>
-            <a:endParaRPr lang="en-US" dirty="0"/>
           </a:p>
         </p:txBody>
       </p:sp>
@@ -7869,10 +7885,9 @@
           <a:lstStyle/>
           <a:p>
             <a:r>
-              <a:rPr lang="en-US" dirty="0" smtClean="0"/>
+              <a:rPr lang="en-US" dirty="0"/>
               <a:t>2) Clone</a:t>
             </a:r>
-            <a:endParaRPr lang="en-US" dirty="0"/>
           </a:p>
         </p:txBody>
       </p:sp>
@@ -7900,21 +7915,16 @@
           <a:p>
             <a:r>
               <a:rPr lang="en-US" dirty="0"/>
-              <a:t>4</a:t>
-            </a:r>
-            <a:r>
-              <a:rPr lang="en-US" dirty="0" smtClean="0"/>
-              <a:t>) </a:t>
-            </a:r>
-            <a:r>
-              <a:rPr lang="en-US" dirty="0" err="1" smtClean="0"/>
+              <a:t>4) </a:t>
+            </a:r>
+            <a:r>
+              <a:rPr lang="en-US" dirty="0" err="1"/>
               <a:t>git</a:t>
             </a:r>
             <a:r>
-              <a:rPr lang="en-US" dirty="0" smtClean="0"/>
+              <a:rPr lang="en-US" dirty="0"/>
               <a:t> status</a:t>
             </a:r>
-            <a:endParaRPr lang="en-US" dirty="0"/>
           </a:p>
         </p:txBody>
       </p:sp>
@@ -7941,18 +7951,17 @@
           <a:lstStyle/>
           <a:p>
             <a:r>
-              <a:rPr lang="en-US" dirty="0" smtClean="0"/>
+              <a:rPr lang="en-US" dirty="0"/>
               <a:t>5) Add changes and </a:t>
             </a:r>
             <a:r>
-              <a:rPr lang="en-US" dirty="0" err="1" smtClean="0"/>
+              <a:rPr lang="en-US" dirty="0" err="1"/>
               <a:t>git</a:t>
             </a:r>
             <a:r>
-              <a:rPr lang="en-US" dirty="0" smtClean="0"/>
+              <a:rPr lang="en-US" dirty="0"/>
               <a:t> status</a:t>
             </a:r>
-            <a:endParaRPr lang="en-US" dirty="0"/>
           </a:p>
         </p:txBody>
       </p:sp>
@@ -8027,10 +8036,9 @@
           <a:lstStyle/>
           <a:p>
             <a:r>
-              <a:rPr lang="en-US" dirty="0" smtClean="0"/>
+              <a:rPr lang="en-US" dirty="0"/>
               <a:t>1) Configure Username</a:t>
             </a:r>
-            <a:endParaRPr lang="en-US" dirty="0"/>
           </a:p>
         </p:txBody>
       </p:sp>
@@ -8081,18 +8089,17 @@
           <a:lstStyle/>
           <a:p>
             <a:r>
-              <a:rPr lang="en-US" dirty="0" smtClean="0"/>
+              <a:rPr lang="en-US" dirty="0"/>
               <a:t>6) </a:t>
             </a:r>
             <a:r>
-              <a:rPr lang="en-US" dirty="0" err="1" smtClean="0"/>
+              <a:rPr lang="en-US" dirty="0" err="1"/>
               <a:t>git</a:t>
             </a:r>
             <a:r>
-              <a:rPr lang="en-US" dirty="0" smtClean="0"/>
+              <a:rPr lang="en-US" dirty="0"/>
               <a:t> commit</a:t>
             </a:r>
-            <a:endParaRPr lang="en-US" dirty="0"/>
           </a:p>
         </p:txBody>
       </p:sp>
@@ -8143,10 +8150,9 @@
           <a:lstStyle/>
           <a:p>
             <a:r>
-              <a:rPr lang="en-US" dirty="0" smtClean="0"/>
+              <a:rPr lang="en-US" dirty="0"/>
               <a:t>3) Make changes, create files ….</a:t>
             </a:r>
-            <a:endParaRPr lang="en-US" dirty="0"/>
           </a:p>
         </p:txBody>
       </p:sp>
@@ -8174,21 +8180,16 @@
           <a:p>
             <a:r>
               <a:rPr lang="en-US" dirty="0"/>
-              <a:t>7</a:t>
-            </a:r>
-            <a:r>
-              <a:rPr lang="en-US" dirty="0" smtClean="0"/>
-              <a:t>) </a:t>
-            </a:r>
-            <a:r>
-              <a:rPr lang="en-US" dirty="0" err="1" smtClean="0"/>
+              <a:t>7) </a:t>
+            </a:r>
+            <a:r>
+              <a:rPr lang="en-US" dirty="0" err="1"/>
               <a:t>git</a:t>
             </a:r>
             <a:r>
-              <a:rPr lang="en-US" dirty="0" smtClean="0"/>
+              <a:rPr lang="en-US" dirty="0"/>
               <a:t> push</a:t>
             </a:r>
-            <a:endParaRPr lang="en-US" dirty="0"/>
           </a:p>
         </p:txBody>
       </p:sp>
@@ -8238,14 +8239,13 @@
           <a:lstStyle/>
           <a:p>
             <a:r>
-              <a:rPr lang="en-US" dirty="0" err="1" smtClean="0"/>
+              <a:rPr lang="en-US" dirty="0" err="1"/>
               <a:t>Git</a:t>
             </a:r>
             <a:r>
-              <a:rPr lang="en-US" dirty="0" smtClean="0"/>
+              <a:rPr lang="en-US" dirty="0"/>
               <a:t> GUI</a:t>
             </a:r>
-            <a:endParaRPr lang="en-US" dirty="0"/>
           </a:p>
         </p:txBody>
       </p:sp>
@@ -8521,42 +8521,42 @@
           <a:p>
             <a:pPr algn="r" rtl="1"/>
             <a:r>
-              <a:rPr lang="he-IL" dirty="0" smtClean="0"/>
+              <a:rPr lang="he-IL" dirty="0"/>
               <a:t>ממשק זה מאפשר לבצע את הפעולות באופן ויזואלי</a:t>
             </a:r>
           </a:p>
           <a:p>
             <a:pPr algn="r" rtl="1"/>
             <a:r>
-              <a:rPr lang="he-IL" dirty="0" smtClean="0"/>
+              <a:rPr lang="he-IL" dirty="0"/>
               <a:t>יש 3 דרכים להוסיף מאגר נרצה לעשות </a:t>
             </a:r>
             <a:r>
-              <a:rPr lang="en-US" dirty="0" smtClean="0"/>
+              <a:rPr lang="en-US" dirty="0"/>
               <a:t>CLONE</a:t>
             </a:r>
             <a:r>
-              <a:rPr lang="he-IL" dirty="0" smtClean="0"/>
+              <a:rPr lang="he-IL" dirty="0"/>
               <a:t> מאתר </a:t>
             </a:r>
             <a:r>
-              <a:rPr lang="en-US" dirty="0" smtClean="0"/>
+              <a:rPr lang="en-US" dirty="0"/>
               <a:t>GITHUB</a:t>
             </a:r>
-            <a:endParaRPr lang="he-IL" dirty="0" smtClean="0"/>
+            <a:endParaRPr lang="he-IL" dirty="0"/>
           </a:p>
           <a:p>
             <a:pPr algn="r" rtl="1"/>
             <a:r>
-              <a:rPr lang="he-IL" dirty="0" smtClean="0"/>
+              <a:rPr lang="he-IL" dirty="0"/>
               <a:t>למטה בוחרים את ה </a:t>
             </a:r>
             <a:r>
-              <a:rPr lang="en-US" dirty="0" smtClean="0"/>
+              <a:rPr lang="en-US" dirty="0"/>
               <a:t>LOCATION </a:t>
             </a:r>
             <a:r>
-              <a:rPr lang="he-IL" dirty="0" smtClean="0"/>
+              <a:rPr lang="he-IL" dirty="0"/>
               <a:t> ואת התיקייה שיש להעתיק אליה את המאגר</a:t>
             </a:r>
           </a:p>
@@ -8608,14 +8608,13 @@
           <a:lstStyle/>
           <a:p>
             <a:r>
-              <a:rPr lang="en-US" dirty="0" err="1" smtClean="0"/>
+              <a:rPr lang="en-US" dirty="0" err="1"/>
               <a:t>Git</a:t>
             </a:r>
             <a:r>
-              <a:rPr lang="en-US" dirty="0" smtClean="0"/>
+              <a:rPr lang="en-US" dirty="0"/>
               <a:t> GUI</a:t>
             </a:r>
-            <a:endParaRPr lang="en-US" dirty="0"/>
           </a:p>
         </p:txBody>
       </p:sp>
@@ -8667,67 +8666,63 @@
           <a:p>
             <a:pPr algn="r" rtl="1"/>
             <a:r>
-              <a:rPr lang="he-IL" dirty="0" smtClean="0"/>
+              <a:rPr lang="he-IL" dirty="0"/>
               <a:t>אפשר לראות שיש שינויים שלא הוספו עדיין </a:t>
             </a:r>
             <a:r>
-              <a:rPr lang="en-US" dirty="0" smtClean="0"/>
+              <a:rPr lang="en-US" dirty="0"/>
               <a:t>UNSTAGED</a:t>
-            </a:r>
-            <a:r>
-              <a:rPr lang="he-IL" dirty="0" smtClean="0"/>
-              <a:t> </a:t>
-            </a:r>
-          </a:p>
-          <a:p>
-            <a:pPr algn="r" rtl="1"/>
-            <a:r>
-              <a:rPr lang="he-IL" dirty="0" smtClean="0"/>
-              <a:t>כדי להוסיף אותם יש ללחוץ על </a:t>
-            </a:r>
-            <a:r>
-              <a:rPr lang="en-US" dirty="0" smtClean="0"/>
-              <a:t>STAGE CHANGED</a:t>
-            </a:r>
-            <a:r>
-              <a:rPr lang="he-IL" dirty="0" smtClean="0"/>
-              <a:t> באמצע</a:t>
-            </a:r>
-          </a:p>
-          <a:p>
-            <a:pPr algn="r" rtl="1"/>
-            <a:r>
-              <a:rPr lang="he-IL" dirty="0" smtClean="0"/>
-              <a:t>אחר זה יש  לכתוב הודעה ולעשות </a:t>
-            </a:r>
-            <a:r>
-              <a:rPr lang="en-US" dirty="0" smtClean="0"/>
-              <a:t>COMMIT</a:t>
-            </a:r>
-            <a:r>
-              <a:rPr lang="he-IL" dirty="0" smtClean="0"/>
-              <a:t> כדי לאתחל חבילת העלאה</a:t>
-            </a:r>
-          </a:p>
-          <a:p>
-            <a:pPr algn="r" rtl="1"/>
-            <a:r>
-              <a:rPr lang="he-IL" dirty="0" smtClean="0"/>
-              <a:t>אחר כך לעשות </a:t>
-            </a:r>
-            <a:r>
-              <a:rPr lang="en-US" dirty="0" smtClean="0"/>
-              <a:t>PUSH </a:t>
             </a:r>
             <a:r>
               <a:rPr lang="he-IL" dirty="0"/>
               <a:t> </a:t>
             </a:r>
-            <a:r>
-              <a:rPr lang="he-IL" dirty="0" smtClean="0"/>
-              <a:t>ולהעלות את הכל</a:t>
-            </a:r>
-            <a:endParaRPr lang="en-US" dirty="0" smtClean="0"/>
+          </a:p>
+          <a:p>
+            <a:pPr algn="r" rtl="1"/>
+            <a:r>
+              <a:rPr lang="he-IL" dirty="0"/>
+              <a:t>כדי להוסיף אותם יש ללחוץ על </a:t>
+            </a:r>
+            <a:r>
+              <a:rPr lang="en-US" dirty="0"/>
+              <a:t>STAGE CHANGED</a:t>
+            </a:r>
+            <a:r>
+              <a:rPr lang="he-IL" dirty="0"/>
+              <a:t> באמצע</a:t>
+            </a:r>
+          </a:p>
+          <a:p>
+            <a:pPr algn="r" rtl="1"/>
+            <a:r>
+              <a:rPr lang="he-IL" dirty="0"/>
+              <a:t>אחר זה יש  לכתוב הודעה ולעשות </a:t>
+            </a:r>
+            <a:r>
+              <a:rPr lang="en-US" dirty="0"/>
+              <a:t>COMMIT</a:t>
+            </a:r>
+            <a:r>
+              <a:rPr lang="he-IL" dirty="0"/>
+              <a:t> כדי לאתחל חבילת העלאה</a:t>
+            </a:r>
+          </a:p>
+          <a:p>
+            <a:pPr algn="r" rtl="1"/>
+            <a:r>
+              <a:rPr lang="he-IL" dirty="0"/>
+              <a:t>אחר כך לעשות </a:t>
+            </a:r>
+            <a:r>
+              <a:rPr lang="en-US" dirty="0"/>
+              <a:t>PUSH </a:t>
+            </a:r>
+            <a:r>
+              <a:rPr lang="he-IL" dirty="0"/>
+              <a:t> ולהעלות את הכל</a:t>
+            </a:r>
+            <a:endParaRPr lang="en-US" dirty="0"/>
           </a:p>
         </p:txBody>
       </p:sp>

--- a/other/presentations/Git , GitHub Tutorial.pptx
+++ b/other/presentations/Git , GitHub Tutorial.pptx
@@ -217,7 +217,7 @@
           <a:effectLst/>
           <a:extLst>
             <a:ext uri="{91240B29-F687-4f45-9708-019B960494DF}">
-              <a14:hiddenLine xmlns="" xmlns:a14="http://schemas.microsoft.com/office/drawing/2010/main" w="9525">
+              <a14:hiddenLine xmlns:a14="http://schemas.microsoft.com/office/drawing/2010/main" xmlns="" w="9525">
                 <a:solidFill>
                   <a:srgbClr val="000000"/>
                 </a:solidFill>
@@ -1727,7 +1727,7 @@
           <a:ln/>
           <a:extLst>
             <a:ext uri="{91240B29-F687-4f45-9708-019B960494DF}">
-              <a14:hiddenLine xmlns="" xmlns:a14="http://schemas.microsoft.com/office/drawing/2010/main" w="9525">
+              <a14:hiddenLine xmlns:a14="http://schemas.microsoft.com/office/drawing/2010/main" xmlns="" w="9525">
                 <a:solidFill>
                   <a:srgbClr val="000000"/>
                 </a:solidFill>
@@ -1999,7 +1999,7 @@
           <a:ln/>
           <a:extLst>
             <a:ext uri="{91240B29-F687-4f45-9708-019B960494DF}">
-              <a14:hiddenLine xmlns="" xmlns:a14="http://schemas.microsoft.com/office/drawing/2010/main" w="9525">
+              <a14:hiddenLine xmlns:a14="http://schemas.microsoft.com/office/drawing/2010/main" xmlns="" w="9525">
                 <a:solidFill>
                   <a:srgbClr val="000000"/>
                 </a:solidFill>
@@ -2279,7 +2279,7 @@
           <a:ln/>
           <a:extLst>
             <a:ext uri="{91240B29-F687-4f45-9708-019B960494DF}">
-              <a14:hiddenLine xmlns="" xmlns:a14="http://schemas.microsoft.com/office/drawing/2010/main" w="9525">
+              <a14:hiddenLine xmlns:a14="http://schemas.microsoft.com/office/drawing/2010/main" xmlns="" w="9525">
                 <a:solidFill>
                   <a:srgbClr val="000000"/>
                 </a:solidFill>
@@ -2899,7 +2899,7 @@
           <a:ln/>
           <a:extLst>
             <a:ext uri="{91240B29-F687-4f45-9708-019B960494DF}">
-              <a14:hiddenLine xmlns="" xmlns:a14="http://schemas.microsoft.com/office/drawing/2010/main" w="9525">
+              <a14:hiddenLine xmlns:a14="http://schemas.microsoft.com/office/drawing/2010/main" xmlns="" w="9525">
                 <a:solidFill>
                   <a:srgbClr val="000000"/>
                 </a:solidFill>
@@ -3235,7 +3235,7 @@
           <a:ln/>
           <a:extLst>
             <a:ext uri="{91240B29-F687-4f45-9708-019B960494DF}">
-              <a14:hiddenLine xmlns="" xmlns:a14="http://schemas.microsoft.com/office/drawing/2010/main" w="9525">
+              <a14:hiddenLine xmlns:a14="http://schemas.microsoft.com/office/drawing/2010/main" xmlns="" w="9525">
                 <a:solidFill>
                   <a:srgbClr val="000000"/>
                 </a:solidFill>
@@ -3709,7 +3709,7 @@
           <a:ln/>
           <a:extLst>
             <a:ext uri="{91240B29-F687-4f45-9708-019B960494DF}">
-              <a14:hiddenLine xmlns="" xmlns:a14="http://schemas.microsoft.com/office/drawing/2010/main" w="9525">
+              <a14:hiddenLine xmlns:a14="http://schemas.microsoft.com/office/drawing/2010/main" xmlns="" w="9525">
                 <a:solidFill>
                   <a:srgbClr val="000000"/>
                 </a:solidFill>
@@ -4132,7 +4132,7 @@
           <a:ln/>
           <a:extLst>
             <a:ext uri="{91240B29-F687-4f45-9708-019B960494DF}">
-              <a14:hiddenLine xmlns="" xmlns:a14="http://schemas.microsoft.com/office/drawing/2010/main" w="9525">
+              <a14:hiddenLine xmlns:a14="http://schemas.microsoft.com/office/drawing/2010/main" xmlns="" w="9525">
                 <a:solidFill>
                   <a:srgbClr val="000000"/>
                 </a:solidFill>
@@ -6004,7 +6004,7 @@
         <p:spPr>
           <a:xfrm>
             <a:off x="273697" y="2076958"/>
-            <a:ext cx="5154483" cy="4131860"/>
+            <a:ext cx="5631803" cy="4131860"/>
           </a:xfrm>
           <a:prstGeom prst="rect">
             <a:avLst/>
@@ -6236,7 +6236,7 @@
             <a:pPr algn="just" rtl="1"/>
             <a:r>
               <a:rPr lang="he-IL" dirty="0"/>
-              <a:t>הממשק די פשוט ואפשר לראות את כל הקבצים והשינויים דרכו.</a:t>
+              <a:t>הממשק די פשוט ומאפשר לראות את כל הקבצים והשינויים דרכו.</a:t>
             </a:r>
           </a:p>
           <a:p>
@@ -6329,7 +6329,7 @@
             </a:r>
             <a:r>
               <a:rPr lang="he-IL" dirty="0"/>
-              <a:t> הוא תוכנה שפותחה על ידי </a:t>
+              <a:t> היא תוכנה שפותחה על ידי </a:t>
             </a:r>
             <a:r>
               <a:rPr lang="en-US" dirty="0"/>
@@ -6374,7 +6374,7 @@
             </a:r>
             <a:r>
               <a:rPr lang="he-IL" dirty="0"/>
-              <a:t> שלה ל</a:t>
+              <a:t> שלה ל </a:t>
             </a:r>
             <a:r>
               <a:rPr lang="en-US" dirty="0"/>

--- a/other/presentations/Git , GitHub Tutorial.pptx
+++ b/other/presentations/Git , GitHub Tutorial.pptx
@@ -217,7 +217,7 @@
           <a:effectLst/>
           <a:extLst>
             <a:ext uri="{91240B29-F687-4f45-9708-019B960494DF}">
-              <a14:hiddenLine xmlns:a14="http://schemas.microsoft.com/office/drawing/2010/main" xmlns="" w="9525">
+              <a14:hiddenLine xmlns="" xmlns:a14="http://schemas.microsoft.com/office/drawing/2010/main" w="9525">
                 <a:solidFill>
                   <a:srgbClr val="000000"/>
                 </a:solidFill>
@@ -1727,7 +1727,7 @@
           <a:ln/>
           <a:extLst>
             <a:ext uri="{91240B29-F687-4f45-9708-019B960494DF}">
-              <a14:hiddenLine xmlns:a14="http://schemas.microsoft.com/office/drawing/2010/main" xmlns="" w="9525">
+              <a14:hiddenLine xmlns="" xmlns:a14="http://schemas.microsoft.com/office/drawing/2010/main" w="9525">
                 <a:solidFill>
                   <a:srgbClr val="000000"/>
                 </a:solidFill>
@@ -1999,7 +1999,7 @@
           <a:ln/>
           <a:extLst>
             <a:ext uri="{91240B29-F687-4f45-9708-019B960494DF}">
-              <a14:hiddenLine xmlns:a14="http://schemas.microsoft.com/office/drawing/2010/main" xmlns="" w="9525">
+              <a14:hiddenLine xmlns="" xmlns:a14="http://schemas.microsoft.com/office/drawing/2010/main" w="9525">
                 <a:solidFill>
                   <a:srgbClr val="000000"/>
                 </a:solidFill>
@@ -2279,7 +2279,7 @@
           <a:ln/>
           <a:extLst>
             <a:ext uri="{91240B29-F687-4f45-9708-019B960494DF}">
-              <a14:hiddenLine xmlns:a14="http://schemas.microsoft.com/office/drawing/2010/main" xmlns="" w="9525">
+              <a14:hiddenLine xmlns="" xmlns:a14="http://schemas.microsoft.com/office/drawing/2010/main" w="9525">
                 <a:solidFill>
                   <a:srgbClr val="000000"/>
                 </a:solidFill>
@@ -2899,7 +2899,7 @@
           <a:ln/>
           <a:extLst>
             <a:ext uri="{91240B29-F687-4f45-9708-019B960494DF}">
-              <a14:hiddenLine xmlns:a14="http://schemas.microsoft.com/office/drawing/2010/main" xmlns="" w="9525">
+              <a14:hiddenLine xmlns="" xmlns:a14="http://schemas.microsoft.com/office/drawing/2010/main" w="9525">
                 <a:solidFill>
                   <a:srgbClr val="000000"/>
                 </a:solidFill>
@@ -3235,7 +3235,7 @@
           <a:ln/>
           <a:extLst>
             <a:ext uri="{91240B29-F687-4f45-9708-019B960494DF}">
-              <a14:hiddenLine xmlns:a14="http://schemas.microsoft.com/office/drawing/2010/main" xmlns="" w="9525">
+              <a14:hiddenLine xmlns="" xmlns:a14="http://schemas.microsoft.com/office/drawing/2010/main" w="9525">
                 <a:solidFill>
                   <a:srgbClr val="000000"/>
                 </a:solidFill>
@@ -3709,7 +3709,7 @@
           <a:ln/>
           <a:extLst>
             <a:ext uri="{91240B29-F687-4f45-9708-019B960494DF}">
-              <a14:hiddenLine xmlns:a14="http://schemas.microsoft.com/office/drawing/2010/main" xmlns="" w="9525">
+              <a14:hiddenLine xmlns="" xmlns:a14="http://schemas.microsoft.com/office/drawing/2010/main" w="9525">
                 <a:solidFill>
                   <a:srgbClr val="000000"/>
                 </a:solidFill>
@@ -4132,7 +4132,7 @@
           <a:ln/>
           <a:extLst>
             <a:ext uri="{91240B29-F687-4f45-9708-019B960494DF}">
-              <a14:hiddenLine xmlns:a14="http://schemas.microsoft.com/office/drawing/2010/main" xmlns="" w="9525">
+              <a14:hiddenLine xmlns="" xmlns:a14="http://schemas.microsoft.com/office/drawing/2010/main" w="9525">
                 <a:solidFill>
                   <a:srgbClr val="000000"/>
                 </a:solidFill>
@@ -5371,12 +5371,8 @@
           <a:lstStyle/>
           <a:p>
             <a:r>
-              <a:rPr lang="en-US" dirty="0" err="1"/>
-              <a:t>Git</a:t>
-            </a:r>
-            <a:r>
               <a:rPr lang="en-US" dirty="0"/>
-              <a:t> , GitHub Tutorial	</a:t>
+              <a:t>Git , GitHub Tutorial	</a:t>
             </a:r>
           </a:p>
         </p:txBody>
@@ -6295,10 +6291,9 @@
           <a:lstStyle/>
           <a:p>
             <a:r>
-              <a:rPr lang="en-US" dirty="0" err="1"/>
+              <a:rPr lang="en-US" dirty="0"/>
               <a:t>Git</a:t>
             </a:r>
-            <a:endParaRPr lang="en-US" dirty="0"/>
           </a:p>
         </p:txBody>
       </p:sp>
@@ -6430,13 +6425,8 @@
           <a:p>
             <a:r>
               <a:rPr lang="en-US" dirty="0"/>
-              <a:t>Download </a:t>
-            </a:r>
-            <a:r>
-              <a:rPr lang="en-US" dirty="0" err="1"/>
-              <a:t>Git</a:t>
-            </a:r>
-            <a:endParaRPr lang="en-US" dirty="0"/>
+              <a:t>Download Git</a:t>
+            </a:r>
           </a:p>
         </p:txBody>
       </p:sp>
@@ -6534,12 +6524,8 @@
           <a:lstStyle/>
           <a:p>
             <a:r>
-              <a:rPr lang="en-US" dirty="0" err="1"/>
-              <a:t>Git</a:t>
-            </a:r>
-            <a:r>
               <a:rPr lang="en-US" dirty="0"/>
-              <a:t>, Basic commands</a:t>
+              <a:t>Git, Basic commands</a:t>
             </a:r>
             <a:r>
               <a:rPr lang="he-IL" dirty="0"/>
@@ -6573,12 +6559,8 @@
           <a:p>
             <a:pPr algn="r" rtl="1"/>
             <a:r>
-              <a:rPr lang="en-US" dirty="0" err="1"/>
-              <a:t>git</a:t>
-            </a:r>
-            <a:r>
               <a:rPr lang="en-US" dirty="0"/>
-              <a:t> clone &lt;</a:t>
+              <a:t>git clone &lt;</a:t>
             </a:r>
             <a:r>
               <a:rPr lang="en-US" dirty="0" err="1"/>
@@ -6595,15 +6577,7 @@
             </a:pPr>
             <a:r>
               <a:rPr lang="en-US" dirty="0"/>
-              <a:t>		example : </a:t>
-            </a:r>
-            <a:r>
-              <a:rPr lang="en-US" dirty="0" err="1"/>
-              <a:t>git</a:t>
-            </a:r>
-            <a:r>
-              <a:rPr lang="en-US" dirty="0"/>
-              <a:t> clone </a:t>
+              <a:t>		example : git clone </a:t>
             </a:r>
             <a:r>
               <a:rPr lang="en-US" dirty="0">
@@ -6859,12 +6833,8 @@
           <a:p>
             <a:pPr algn="r" rtl="1"/>
             <a:r>
-              <a:rPr lang="en-US" dirty="0" err="1"/>
-              <a:t>git</a:t>
-            </a:r>
-            <a:r>
               <a:rPr lang="en-US" dirty="0"/>
-              <a:t> pull</a:t>
+              <a:t>git pull</a:t>
             </a:r>
           </a:p>
           <a:p>
@@ -7106,12 +7076,8 @@
           <a:p>
             <a:pPr algn="r" rtl="1"/>
             <a:r>
-              <a:rPr lang="en-US" dirty="0" err="1"/>
-              <a:t>git</a:t>
-            </a:r>
-            <a:r>
               <a:rPr lang="en-US" dirty="0"/>
-              <a:t> add &lt;file name&gt;</a:t>
+              <a:t>git add &lt;file name&gt;</a:t>
             </a:r>
           </a:p>
           <a:p>
@@ -7361,12 +7327,8 @@
           <a:p>
             <a:pPr algn="r" rtl="1"/>
             <a:r>
-              <a:rPr lang="en-US" dirty="0" err="1"/>
-              <a:t>git</a:t>
-            </a:r>
-            <a:r>
               <a:rPr lang="en-US" dirty="0"/>
-              <a:t> status</a:t>
+              <a:t>git status</a:t>
             </a:r>
           </a:p>
           <a:p>
@@ -7470,12 +7432,8 @@
           <a:p>
             <a:pPr algn="r" rtl="1"/>
             <a:r>
-              <a:rPr lang="en-US" dirty="0" err="1"/>
-              <a:t>git</a:t>
-            </a:r>
-            <a:r>
               <a:rPr lang="en-US" dirty="0"/>
-              <a:t> commit –m “message here”</a:t>
+              <a:t>git commit –m “message here”</a:t>
             </a:r>
           </a:p>
           <a:p>
@@ -7720,12 +7678,8 @@
           <a:p>
             <a:pPr algn="r" rtl="1"/>
             <a:r>
-              <a:rPr lang="en-US" dirty="0" err="1"/>
-              <a:t>git</a:t>
-            </a:r>
-            <a:r>
               <a:rPr lang="en-US" dirty="0"/>
-              <a:t> push</a:t>
+              <a:t>git push</a:t>
             </a:r>
           </a:p>
           <a:p>
@@ -7831,7 +7785,7 @@
         </p:blipFill>
         <p:spPr>
           <a:xfrm>
-            <a:off x="226109" y="5264823"/>
+            <a:off x="539413" y="5596113"/>
             <a:ext cx="3888691" cy="1260833"/>
           </a:xfrm>
           <a:prstGeom prst="rect">
@@ -7854,8 +7808,8 @@
         </p:blipFill>
         <p:spPr>
           <a:xfrm>
-            <a:off x="302309" y="2993813"/>
-            <a:ext cx="4909772" cy="938108"/>
+            <a:off x="539412" y="3374072"/>
+            <a:ext cx="5211907" cy="938108"/>
           </a:xfrm>
           <a:prstGeom prst="rect">
             <a:avLst/>
@@ -7870,7 +7824,7 @@
         </p:nvSpPr>
         <p:spPr>
           <a:xfrm>
-            <a:off x="171816" y="2624480"/>
+            <a:off x="86358" y="2994445"/>
             <a:ext cx="1138453" cy="369332"/>
           </a:xfrm>
           <a:prstGeom prst="rect">
@@ -7899,7 +7853,7 @@
         </p:nvSpPr>
         <p:spPr>
           <a:xfrm>
-            <a:off x="171816" y="4877592"/>
+            <a:off x="86358" y="5247557"/>
             <a:ext cx="1441420" cy="369332"/>
           </a:xfrm>
           <a:prstGeom prst="rect">
@@ -7915,15 +7869,7 @@
           <a:p>
             <a:r>
               <a:rPr lang="en-US" dirty="0"/>
-              <a:t>4) </a:t>
-            </a:r>
-            <a:r>
-              <a:rPr lang="en-US" dirty="0" err="1"/>
-              <a:t>git</a:t>
-            </a:r>
-            <a:r>
-              <a:rPr lang="en-US" dirty="0"/>
-              <a:t> status</a:t>
+              <a:t>4) git status</a:t>
             </a:r>
           </a:p>
         </p:txBody>
@@ -7936,7 +7882,7 @@
         </p:nvSpPr>
         <p:spPr>
           <a:xfrm>
-            <a:off x="6400726" y="1563831"/>
+            <a:off x="6113091" y="1964811"/>
             <a:ext cx="3563796" cy="369332"/>
           </a:xfrm>
           <a:prstGeom prst="rect">
@@ -7952,15 +7898,7 @@
           <a:p>
             <a:r>
               <a:rPr lang="en-US" dirty="0"/>
-              <a:t>5) Add changes and </a:t>
-            </a:r>
-            <a:r>
-              <a:rPr lang="en-US" dirty="0" err="1"/>
-              <a:t>git</a:t>
-            </a:r>
-            <a:r>
-              <a:rPr lang="en-US" dirty="0"/>
-              <a:t> status</a:t>
+              <a:t>5) Add changes and git status</a:t>
             </a:r>
           </a:p>
         </p:txBody>
@@ -7981,7 +7919,7 @@
         </p:blipFill>
         <p:spPr>
           <a:xfrm>
-            <a:off x="6476999" y="1961897"/>
+            <a:off x="6494091" y="2349145"/>
             <a:ext cx="4343400" cy="1438275"/>
           </a:xfrm>
           <a:prstGeom prst="rect">
@@ -8005,8 +7943,8 @@
         </p:blipFill>
         <p:spPr>
           <a:xfrm>
-            <a:off x="283039" y="1933164"/>
-            <a:ext cx="4929041" cy="673417"/>
+            <a:off x="539413" y="2372432"/>
+            <a:ext cx="5573678" cy="673417"/>
           </a:xfrm>
           <a:prstGeom prst="rect">
             <a:avLst/>
@@ -8021,7 +7959,7 @@
         </p:nvSpPr>
         <p:spPr>
           <a:xfrm>
-            <a:off x="206766" y="1563831"/>
+            <a:off x="86358" y="2061026"/>
             <a:ext cx="2765501" cy="369332"/>
           </a:xfrm>
           <a:prstGeom prst="rect">
@@ -8058,7 +7996,7 @@
         </p:blipFill>
         <p:spPr>
           <a:xfrm>
-            <a:off x="6455018" y="3870112"/>
+            <a:off x="6472110" y="4257360"/>
             <a:ext cx="4365381" cy="628650"/>
           </a:xfrm>
           <a:prstGeom prst="rect">
@@ -8074,7 +8012,7 @@
         </p:nvSpPr>
         <p:spPr>
           <a:xfrm>
-            <a:off x="6400726" y="3470776"/>
+            <a:off x="6089202" y="3843126"/>
             <a:ext cx="1664238" cy="369332"/>
           </a:xfrm>
           <a:prstGeom prst="rect">
@@ -8090,15 +8028,7 @@
           <a:p>
             <a:r>
               <a:rPr lang="en-US" dirty="0"/>
-              <a:t>6) </a:t>
-            </a:r>
-            <a:r>
-              <a:rPr lang="en-US" dirty="0" err="1"/>
-              <a:t>git</a:t>
-            </a:r>
-            <a:r>
-              <a:rPr lang="en-US" dirty="0"/>
-              <a:t> commit</a:t>
+              <a:t>6) git commit</a:t>
             </a:r>
           </a:p>
         </p:txBody>
@@ -8119,7 +8049,7 @@
         </p:blipFill>
         <p:spPr>
           <a:xfrm>
-            <a:off x="6455020" y="5208865"/>
+            <a:off x="6472112" y="5596113"/>
             <a:ext cx="4365380" cy="1295400"/>
           </a:xfrm>
           <a:prstGeom prst="rect">
@@ -8135,7 +8065,7 @@
         </p:nvSpPr>
         <p:spPr>
           <a:xfrm>
-            <a:off x="171816" y="4346348"/>
+            <a:off x="86358" y="4716313"/>
             <a:ext cx="3857146" cy="369332"/>
           </a:xfrm>
           <a:prstGeom prst="rect">
@@ -8164,7 +8094,7 @@
         </p:nvSpPr>
         <p:spPr>
           <a:xfrm>
-            <a:off x="6400726" y="4784036"/>
+            <a:off x="6113091" y="5171284"/>
             <a:ext cx="1335622" cy="369332"/>
           </a:xfrm>
           <a:prstGeom prst="rect">
@@ -8180,15 +8110,7 @@
           <a:p>
             <a:r>
               <a:rPr lang="en-US" dirty="0"/>
-              <a:t>7) </a:t>
-            </a:r>
-            <a:r>
-              <a:rPr lang="en-US" dirty="0" err="1"/>
-              <a:t>git</a:t>
-            </a:r>
-            <a:r>
-              <a:rPr lang="en-US" dirty="0"/>
-              <a:t> push</a:t>
+              <a:t>7) git push</a:t>
             </a:r>
           </a:p>
         </p:txBody>
@@ -8239,12 +8161,8 @@
           <a:lstStyle/>
           <a:p>
             <a:r>
-              <a:rPr lang="en-US" dirty="0" err="1"/>
-              <a:t>Git</a:t>
-            </a:r>
-            <a:r>
               <a:rPr lang="en-US" dirty="0"/>
-              <a:t> GUI</a:t>
+              <a:t>Git GUI</a:t>
             </a:r>
           </a:p>
         </p:txBody>
@@ -8608,12 +8526,8 @@
           <a:lstStyle/>
           <a:p>
             <a:r>
-              <a:rPr lang="en-US" dirty="0" err="1"/>
-              <a:t>Git</a:t>
-            </a:r>
-            <a:r>
               <a:rPr lang="en-US" dirty="0"/>
-              <a:t> GUI</a:t>
+              <a:t>Git GUI</a:t>
             </a:r>
           </a:p>
         </p:txBody>
